--- a/Docs/Presentations/Roguelike Celebration 2018.pptx
+++ b/Docs/Presentations/Roguelike Celebration 2018.pptx
@@ -134,7 +134,7 @@
   </p:defaultTextStyle>
   <p:extLst>
     <p:ext uri="{EFAFB233-063F-42B5-8137-9DF3F51BA10A}">
-      <p15:sldGuideLst xmlns:p15="http://schemas.microsoft.com/office/powerpoint/2012/main" xmlns="">
+      <p15:sldGuideLst xmlns="" xmlns:p15="http://schemas.microsoft.com/office/powerpoint/2012/main">
         <p15:guide id="1" pos="3840" userDrawn="1">
           <p15:clr>
             <a:srgbClr val="A4A3A4"/>
@@ -148,7 +148,7 @@
       </p15:sldGuideLst>
     </p:ext>
     <p:ext uri="{2D200454-40CA-4A62-9FC3-DE9A4176ACB9}">
-      <p15:notesGuideLst xmlns:p15="http://schemas.microsoft.com/office/powerpoint/2012/main" xmlns=""/>
+      <p15:notesGuideLst xmlns="" xmlns:p15="http://schemas.microsoft.com/office/powerpoint/2012/main"/>
     </p:ext>
   </p:extLst>
 </p:presentation>
@@ -2111,7 +2111,7 @@
   </p:txStyles>
   <p:extLst mod="1">
     <p:ext uri="{27BBF7A9-308A-43DC-89C8-2F10F3537804}">
-      <p15:sldGuideLst xmlns:p15="http://schemas.microsoft.com/office/powerpoint/2012/main" xmlns="">
+      <p15:sldGuideLst xmlns="" xmlns:p15="http://schemas.microsoft.com/office/powerpoint/2012/main">
         <p15:guide id="1" orient="horz" pos="2160">
           <p15:clr>
             <a:srgbClr val="F26B43"/>
@@ -3984,11 +3984,7 @@
           <a:p>
             <a:r>
               <a:rPr lang="en-US" sz="2800" dirty="0" smtClean="0"/>
-              <a:t>Carry items in Left hand and/or Right </a:t>
-            </a:r>
-            <a:r>
-              <a:rPr lang="en-US" sz="2800" dirty="0" smtClean="0"/>
-              <a:t>Hand</a:t>
+              <a:t>Carry items in Left hand and/or Right Hand</a:t>
             </a:r>
           </a:p>
           <a:p>
@@ -4041,11 +4037,7 @@
           <a:p>
             <a:r>
               <a:rPr lang="en-US" sz="2800" dirty="0" smtClean="0"/>
-              <a:t>Use or inspect </a:t>
-            </a:r>
-            <a:r>
-              <a:rPr lang="en-US" sz="2800" dirty="0" smtClean="0"/>
-              <a:t>items</a:t>
+              <a:t>Use or inspect items</a:t>
             </a:r>
           </a:p>
           <a:p>
@@ -4059,7 +4051,6 @@
               <a:rPr lang="en-US" sz="2800" dirty="0" smtClean="0"/>
               <a:t>Voice chat though Discord</a:t>
             </a:r>
-            <a:endParaRPr lang="en-US" sz="2800" dirty="0" smtClean="0"/>
           </a:p>
           <a:p>
             <a:r>
@@ -4245,43 +4236,21 @@
                                   </p:childTnLst>
                                 </p:cTn>
                               </p:par>
-                            </p:childTnLst>
-                          </p:cTn>
-                        </p:par>
-                      </p:childTnLst>
-                    </p:cTn>
-                  </p:par>
-                  <p:par>
-                    <p:cTn id="8" fill="hold">
-                      <p:stCondLst>
-                        <p:cond delay="indefinite"/>
-                      </p:stCondLst>
-                      <p:childTnLst>
-                        <p:par>
-                          <p:cTn id="9" fill="hold">
-                            <p:stCondLst>
-                              <p:cond delay="0"/>
-                            </p:stCondLst>
-                            <p:childTnLst>
                               <p:par>
-                                <p:cTn id="10" presetID="10" presetClass="entr" presetSubtype="0" fill="hold" grpId="0" nodeType="clickEffect">
+                                <p:cTn id="8" presetID="10" presetClass="entr" presetSubtype="0" fill="hold" nodeType="withEffect">
                                   <p:stCondLst>
                                     <p:cond delay="0"/>
                                   </p:stCondLst>
                                   <p:childTnLst>
                                     <p:set>
                                       <p:cBhvr>
-                                        <p:cTn id="11" dur="1" fill="hold">
+                                        <p:cTn id="9" dur="1" fill="hold">
                                           <p:stCondLst>
                                             <p:cond delay="0"/>
                                           </p:stCondLst>
                                         </p:cTn>
                                         <p:tgtEl>
-                                          <p:spTgt spid="14">
-                                            <p:txEl>
-                                              <p:pRg st="1" end="1"/>
-                                            </p:txEl>
-                                          </p:spTgt>
+                                          <p:spTgt spid="9218"/>
                                         </p:tgtEl>
                                         <p:attrNameLst>
                                           <p:attrName>style.visibility</p:attrName>
@@ -4293,13 +4262,9 @@
                                     </p:set>
                                     <p:animEffect transition="in" filter="fade">
                                       <p:cBhvr>
-                                        <p:cTn id="12" dur="500"/>
-                                        <p:tgtEl>
-                                          <p:spTgt spid="14">
-                                            <p:txEl>
-                                              <p:pRg st="1" end="1"/>
-                                            </p:txEl>
-                                          </p:spTgt>
+                                        <p:cTn id="10" dur="500"/>
+                                        <p:tgtEl>
+                                          <p:spTgt spid="9218"/>
                                         </p:tgtEl>
                                       </p:cBhvr>
                                     </p:animEffect>
@@ -4313,26 +4278,26 @@
                     </p:cTn>
                   </p:par>
                   <p:par>
-                    <p:cTn id="13" fill="hold">
+                    <p:cTn id="11" fill="hold">
                       <p:stCondLst>
                         <p:cond delay="indefinite"/>
                       </p:stCondLst>
                       <p:childTnLst>
                         <p:par>
-                          <p:cTn id="14" fill="hold">
+                          <p:cTn id="12" fill="hold">
                             <p:stCondLst>
                               <p:cond delay="0"/>
                             </p:stCondLst>
                             <p:childTnLst>
                               <p:par>
-                                <p:cTn id="15" presetID="10" presetClass="entr" presetSubtype="0" fill="hold" grpId="0" nodeType="clickEffect">
+                                <p:cTn id="13" presetID="10" presetClass="entr" presetSubtype="0" fill="hold" grpId="0" nodeType="clickEffect">
                                   <p:stCondLst>
                                     <p:cond delay="0"/>
                                   </p:stCondLst>
                                   <p:childTnLst>
                                     <p:set>
                                       <p:cBhvr>
-                                        <p:cTn id="16" dur="1" fill="hold">
+                                        <p:cTn id="14" dur="1" fill="hold">
                                           <p:stCondLst>
                                             <p:cond delay="0"/>
                                           </p:stCondLst>
@@ -4340,7 +4305,7 @@
                                         <p:tgtEl>
                                           <p:spTgt spid="14">
                                             <p:txEl>
-                                              <p:pRg st="2" end="2"/>
+                                              <p:pRg st="1" end="1"/>
                                             </p:txEl>
                                           </p:spTgt>
                                         </p:tgtEl>
@@ -4354,11 +4319,11 @@
                                     </p:set>
                                     <p:animEffect transition="in" filter="fade">
                                       <p:cBhvr>
-                                        <p:cTn id="17" dur="500"/>
+                                        <p:cTn id="15" dur="500"/>
                                         <p:tgtEl>
                                           <p:spTgt spid="14">
                                             <p:txEl>
-                                              <p:pRg st="2" end="2"/>
+                                              <p:pRg st="1" end="1"/>
                                             </p:txEl>
                                           </p:spTgt>
                                         </p:tgtEl>
@@ -4374,26 +4339,26 @@
                     </p:cTn>
                   </p:par>
                   <p:par>
-                    <p:cTn id="18" fill="hold">
+                    <p:cTn id="16" fill="hold">
                       <p:stCondLst>
                         <p:cond delay="indefinite"/>
                       </p:stCondLst>
                       <p:childTnLst>
                         <p:par>
-                          <p:cTn id="19" fill="hold">
+                          <p:cTn id="17" fill="hold">
                             <p:stCondLst>
                               <p:cond delay="0"/>
                             </p:stCondLst>
                             <p:childTnLst>
                               <p:par>
-                                <p:cTn id="20" presetID="10" presetClass="entr" presetSubtype="0" fill="hold" grpId="0" nodeType="clickEffect">
+                                <p:cTn id="18" presetID="10" presetClass="entr" presetSubtype="0" fill="hold" grpId="0" nodeType="clickEffect">
                                   <p:stCondLst>
                                     <p:cond delay="0"/>
                                   </p:stCondLst>
                                   <p:childTnLst>
                                     <p:set>
                                       <p:cBhvr>
-                                        <p:cTn id="21" dur="1" fill="hold">
+                                        <p:cTn id="19" dur="1" fill="hold">
                                           <p:stCondLst>
                                             <p:cond delay="0"/>
                                           </p:stCondLst>
@@ -4401,7 +4366,7 @@
                                         <p:tgtEl>
                                           <p:spTgt spid="14">
                                             <p:txEl>
-                                              <p:pRg st="3" end="3"/>
+                                              <p:pRg st="2" end="2"/>
                                             </p:txEl>
                                           </p:spTgt>
                                         </p:tgtEl>
@@ -4415,11 +4380,11 @@
                                     </p:set>
                                     <p:animEffect transition="in" filter="fade">
                                       <p:cBhvr>
-                                        <p:cTn id="22" dur="500"/>
+                                        <p:cTn id="20" dur="500"/>
                                         <p:tgtEl>
                                           <p:spTgt spid="14">
                                             <p:txEl>
-                                              <p:pRg st="3" end="3"/>
+                                              <p:pRg st="2" end="2"/>
                                             </p:txEl>
                                           </p:spTgt>
                                         </p:tgtEl>
@@ -4435,26 +4400,26 @@
                     </p:cTn>
                   </p:par>
                   <p:par>
-                    <p:cTn id="23" fill="hold">
+                    <p:cTn id="21" fill="hold">
                       <p:stCondLst>
                         <p:cond delay="indefinite"/>
                       </p:stCondLst>
                       <p:childTnLst>
                         <p:par>
-                          <p:cTn id="24" fill="hold">
+                          <p:cTn id="22" fill="hold">
                             <p:stCondLst>
                               <p:cond delay="0"/>
                             </p:stCondLst>
                             <p:childTnLst>
                               <p:par>
-                                <p:cTn id="25" presetID="10" presetClass="entr" presetSubtype="0" fill="hold" grpId="0" nodeType="clickEffect">
+                                <p:cTn id="23" presetID="10" presetClass="entr" presetSubtype="0" fill="hold" grpId="0" nodeType="clickEffect">
                                   <p:stCondLst>
                                     <p:cond delay="0"/>
                                   </p:stCondLst>
                                   <p:childTnLst>
                                     <p:set>
                                       <p:cBhvr>
-                                        <p:cTn id="26" dur="1" fill="hold">
+                                        <p:cTn id="24" dur="1" fill="hold">
                                           <p:stCondLst>
                                             <p:cond delay="0"/>
                                           </p:stCondLst>
@@ -4462,7 +4427,7 @@
                                         <p:tgtEl>
                                           <p:spTgt spid="14">
                                             <p:txEl>
-                                              <p:pRg st="4" end="4"/>
+                                              <p:pRg st="3" end="3"/>
                                             </p:txEl>
                                           </p:spTgt>
                                         </p:tgtEl>
@@ -4476,11 +4441,11 @@
                                     </p:set>
                                     <p:animEffect transition="in" filter="fade">
                                       <p:cBhvr>
-                                        <p:cTn id="27" dur="500"/>
+                                        <p:cTn id="25" dur="500"/>
                                         <p:tgtEl>
                                           <p:spTgt spid="14">
                                             <p:txEl>
-                                              <p:pRg st="4" end="4"/>
+                                              <p:pRg st="3" end="3"/>
                                             </p:txEl>
                                           </p:spTgt>
                                         </p:tgtEl>
@@ -4496,26 +4461,26 @@
                     </p:cTn>
                   </p:par>
                   <p:par>
-                    <p:cTn id="28" fill="hold">
+                    <p:cTn id="26" fill="hold">
                       <p:stCondLst>
                         <p:cond delay="indefinite"/>
                       </p:stCondLst>
                       <p:childTnLst>
                         <p:par>
-                          <p:cTn id="29" fill="hold">
+                          <p:cTn id="27" fill="hold">
                             <p:stCondLst>
                               <p:cond delay="0"/>
                             </p:stCondLst>
                             <p:childTnLst>
                               <p:par>
-                                <p:cTn id="30" presetID="10" presetClass="entr" presetSubtype="0" fill="hold" grpId="0" nodeType="clickEffect">
+                                <p:cTn id="28" presetID="10" presetClass="entr" presetSubtype="0" fill="hold" grpId="0" nodeType="clickEffect">
                                   <p:stCondLst>
                                     <p:cond delay="0"/>
                                   </p:stCondLst>
                                   <p:childTnLst>
                                     <p:set>
                                       <p:cBhvr>
-                                        <p:cTn id="31" dur="1" fill="hold">
+                                        <p:cTn id="29" dur="1" fill="hold">
                                           <p:stCondLst>
                                             <p:cond delay="0"/>
                                           </p:stCondLst>
@@ -4523,7 +4488,7 @@
                                         <p:tgtEl>
                                           <p:spTgt spid="14">
                                             <p:txEl>
-                                              <p:pRg st="5" end="5"/>
+                                              <p:pRg st="4" end="4"/>
                                             </p:txEl>
                                           </p:spTgt>
                                         </p:tgtEl>
@@ -4537,11 +4502,11 @@
                                     </p:set>
                                     <p:animEffect transition="in" filter="fade">
                                       <p:cBhvr>
-                                        <p:cTn id="32" dur="500"/>
+                                        <p:cTn id="30" dur="500"/>
                                         <p:tgtEl>
                                           <p:spTgt spid="14">
                                             <p:txEl>
-                                              <p:pRg st="5" end="5"/>
+                                              <p:pRg st="4" end="4"/>
                                             </p:txEl>
                                           </p:spTgt>
                                         </p:tgtEl>
@@ -4557,26 +4522,26 @@
                     </p:cTn>
                   </p:par>
                   <p:par>
-                    <p:cTn id="33" fill="hold">
+                    <p:cTn id="31" fill="hold">
                       <p:stCondLst>
                         <p:cond delay="indefinite"/>
                       </p:stCondLst>
                       <p:childTnLst>
                         <p:par>
-                          <p:cTn id="34" fill="hold">
+                          <p:cTn id="32" fill="hold">
                             <p:stCondLst>
                               <p:cond delay="0"/>
                             </p:stCondLst>
                             <p:childTnLst>
                               <p:par>
-                                <p:cTn id="35" presetID="10" presetClass="entr" presetSubtype="0" fill="hold" grpId="0" nodeType="clickEffect">
+                                <p:cTn id="33" presetID="10" presetClass="entr" presetSubtype="0" fill="hold" grpId="0" nodeType="clickEffect">
                                   <p:stCondLst>
                                     <p:cond delay="0"/>
                                   </p:stCondLst>
                                   <p:childTnLst>
                                     <p:set>
                                       <p:cBhvr>
-                                        <p:cTn id="36" dur="1" fill="hold">
+                                        <p:cTn id="34" dur="1" fill="hold">
                                           <p:stCondLst>
                                             <p:cond delay="0"/>
                                           </p:stCondLst>
@@ -4584,7 +4549,7 @@
                                         <p:tgtEl>
                                           <p:spTgt spid="14">
                                             <p:txEl>
-                                              <p:pRg st="6" end="6"/>
+                                              <p:pRg st="5" end="5"/>
                                             </p:txEl>
                                           </p:spTgt>
                                         </p:tgtEl>
@@ -4598,11 +4563,11 @@
                                     </p:set>
                                     <p:animEffect transition="in" filter="fade">
                                       <p:cBhvr>
-                                        <p:cTn id="37" dur="500"/>
+                                        <p:cTn id="35" dur="500"/>
                                         <p:tgtEl>
                                           <p:spTgt spid="14">
                                             <p:txEl>
-                                              <p:pRg st="6" end="6"/>
+                                              <p:pRg st="5" end="5"/>
                                             </p:txEl>
                                           </p:spTgt>
                                         </p:tgtEl>
@@ -4618,26 +4583,26 @@
                     </p:cTn>
                   </p:par>
                   <p:par>
-                    <p:cTn id="38" fill="hold">
+                    <p:cTn id="36" fill="hold">
                       <p:stCondLst>
                         <p:cond delay="indefinite"/>
                       </p:stCondLst>
                       <p:childTnLst>
                         <p:par>
-                          <p:cTn id="39" fill="hold">
+                          <p:cTn id="37" fill="hold">
                             <p:stCondLst>
                               <p:cond delay="0"/>
                             </p:stCondLst>
                             <p:childTnLst>
                               <p:par>
-                                <p:cTn id="40" presetID="10" presetClass="entr" presetSubtype="0" fill="hold" grpId="0" nodeType="clickEffect">
+                                <p:cTn id="38" presetID="10" presetClass="entr" presetSubtype="0" fill="hold" grpId="0" nodeType="clickEffect">
                                   <p:stCondLst>
                                     <p:cond delay="0"/>
                                   </p:stCondLst>
                                   <p:childTnLst>
                                     <p:set>
                                       <p:cBhvr>
-                                        <p:cTn id="41" dur="1" fill="hold">
+                                        <p:cTn id="39" dur="1" fill="hold">
                                           <p:stCondLst>
                                             <p:cond delay="0"/>
                                           </p:stCondLst>
@@ -4645,7 +4610,7 @@
                                         <p:tgtEl>
                                           <p:spTgt spid="14">
                                             <p:txEl>
-                                              <p:pRg st="7" end="7"/>
+                                              <p:pRg st="6" end="6"/>
                                             </p:txEl>
                                           </p:spTgt>
                                         </p:tgtEl>
@@ -4659,11 +4624,11 @@
                                     </p:set>
                                     <p:animEffect transition="in" filter="fade">
                                       <p:cBhvr>
-                                        <p:cTn id="42" dur="500"/>
+                                        <p:cTn id="40" dur="500"/>
                                         <p:tgtEl>
                                           <p:spTgt spid="14">
                                             <p:txEl>
-                                              <p:pRg st="7" end="7"/>
+                                              <p:pRg st="6" end="6"/>
                                             </p:txEl>
                                           </p:spTgt>
                                         </p:tgtEl>
@@ -4679,26 +4644,26 @@
                     </p:cTn>
                   </p:par>
                   <p:par>
-                    <p:cTn id="43" fill="hold">
+                    <p:cTn id="41" fill="hold">
                       <p:stCondLst>
                         <p:cond delay="indefinite"/>
                       </p:stCondLst>
                       <p:childTnLst>
                         <p:par>
-                          <p:cTn id="44" fill="hold">
+                          <p:cTn id="42" fill="hold">
                             <p:stCondLst>
                               <p:cond delay="0"/>
                             </p:stCondLst>
                             <p:childTnLst>
                               <p:par>
-                                <p:cTn id="45" presetID="10" presetClass="entr" presetSubtype="0" fill="hold" grpId="0" nodeType="clickEffect">
+                                <p:cTn id="43" presetID="10" presetClass="entr" presetSubtype="0" fill="hold" grpId="0" nodeType="clickEffect">
                                   <p:stCondLst>
                                     <p:cond delay="0"/>
                                   </p:stCondLst>
                                   <p:childTnLst>
                                     <p:set>
                                       <p:cBhvr>
-                                        <p:cTn id="46" dur="1" fill="hold">
+                                        <p:cTn id="44" dur="1" fill="hold">
                                           <p:stCondLst>
                                             <p:cond delay="0"/>
                                           </p:stCondLst>
@@ -4706,7 +4671,7 @@
                                         <p:tgtEl>
                                           <p:spTgt spid="14">
                                             <p:txEl>
-                                              <p:pRg st="8" end="8"/>
+                                              <p:pRg st="7" end="7"/>
                                             </p:txEl>
                                           </p:spTgt>
                                         </p:tgtEl>
@@ -4720,11 +4685,11 @@
                                     </p:set>
                                     <p:animEffect transition="in" filter="fade">
                                       <p:cBhvr>
-                                        <p:cTn id="47" dur="500"/>
+                                        <p:cTn id="45" dur="500"/>
                                         <p:tgtEl>
                                           <p:spTgt spid="14">
                                             <p:txEl>
-                                              <p:pRg st="8" end="8"/>
+                                              <p:pRg st="7" end="7"/>
                                             </p:txEl>
                                           </p:spTgt>
                                         </p:tgtEl>
@@ -4740,26 +4705,87 @@
                     </p:cTn>
                   </p:par>
                   <p:par>
-                    <p:cTn id="48" fill="hold">
+                    <p:cTn id="46" fill="hold">
                       <p:stCondLst>
                         <p:cond delay="indefinite"/>
                       </p:stCondLst>
                       <p:childTnLst>
                         <p:par>
-                          <p:cTn id="49" fill="hold">
+                          <p:cTn id="47" fill="hold">
                             <p:stCondLst>
                               <p:cond delay="0"/>
                             </p:stCondLst>
                             <p:childTnLst>
                               <p:par>
-                                <p:cTn id="50" presetID="10" presetClass="entr" presetSubtype="0" fill="hold" grpId="0" nodeType="clickEffect">
+                                <p:cTn id="48" presetID="10" presetClass="entr" presetSubtype="0" fill="hold" grpId="0" nodeType="clickEffect">
                                   <p:stCondLst>
                                     <p:cond delay="0"/>
                                   </p:stCondLst>
                                   <p:childTnLst>
                                     <p:set>
                                       <p:cBhvr>
-                                        <p:cTn id="51" dur="1" fill="hold">
+                                        <p:cTn id="49" dur="1" fill="hold">
+                                          <p:stCondLst>
+                                            <p:cond delay="0"/>
+                                          </p:stCondLst>
+                                        </p:cTn>
+                                        <p:tgtEl>
+                                          <p:spTgt spid="14">
+                                            <p:txEl>
+                                              <p:pRg st="8" end="8"/>
+                                            </p:txEl>
+                                          </p:spTgt>
+                                        </p:tgtEl>
+                                        <p:attrNameLst>
+                                          <p:attrName>style.visibility</p:attrName>
+                                        </p:attrNameLst>
+                                      </p:cBhvr>
+                                      <p:to>
+                                        <p:strVal val="visible"/>
+                                      </p:to>
+                                    </p:set>
+                                    <p:animEffect transition="in" filter="fade">
+                                      <p:cBhvr>
+                                        <p:cTn id="50" dur="500"/>
+                                        <p:tgtEl>
+                                          <p:spTgt spid="14">
+                                            <p:txEl>
+                                              <p:pRg st="8" end="8"/>
+                                            </p:txEl>
+                                          </p:spTgt>
+                                        </p:tgtEl>
+                                      </p:cBhvr>
+                                    </p:animEffect>
+                                  </p:childTnLst>
+                                </p:cTn>
+                              </p:par>
+                            </p:childTnLst>
+                          </p:cTn>
+                        </p:par>
+                      </p:childTnLst>
+                    </p:cTn>
+                  </p:par>
+                  <p:par>
+                    <p:cTn id="51" fill="hold">
+                      <p:stCondLst>
+                        <p:cond delay="indefinite"/>
+                      </p:stCondLst>
+                      <p:childTnLst>
+                        <p:par>
+                          <p:cTn id="52" fill="hold">
+                            <p:stCondLst>
+                              <p:cond delay="0"/>
+                            </p:stCondLst>
+                            <p:childTnLst>
+                              <p:par>
+                                <p:cTn id="53" presetID="10" presetClass="entr" presetSubtype="0" fill="hold" grpId="0" nodeType="clickEffect">
+                                  <p:stCondLst>
+                                    <p:cond delay="0"/>
+                                  </p:stCondLst>
+                                  <p:childTnLst>
+                                    <p:set>
+                                      <p:cBhvr>
+                                        <p:cTn id="54" dur="1" fill="hold">
                                           <p:stCondLst>
                                             <p:cond delay="0"/>
                                           </p:stCondLst>
@@ -4781,48 +4807,13 @@
                                     </p:set>
                                     <p:animEffect transition="in" filter="fade">
                                       <p:cBhvr>
-                                        <p:cTn id="52" dur="500"/>
+                                        <p:cTn id="55" dur="500"/>
                                         <p:tgtEl>
                                           <p:spTgt spid="14">
                                             <p:txEl>
                                               <p:pRg st="9" end="9"/>
                                             </p:txEl>
                                           </p:spTgt>
-                                        </p:tgtEl>
-                                      </p:cBhvr>
-                                    </p:animEffect>
-                                  </p:childTnLst>
-                                </p:cTn>
-                              </p:par>
-                              <p:par>
-                                <p:cTn id="53" presetID="10" presetClass="entr" presetSubtype="0" fill="hold" nodeType="withEffect">
-                                  <p:stCondLst>
-                                    <p:cond delay="0"/>
-                                  </p:stCondLst>
-                                  <p:childTnLst>
-                                    <p:set>
-                                      <p:cBhvr>
-                                        <p:cTn id="54" dur="1" fill="hold">
-                                          <p:stCondLst>
-                                            <p:cond delay="0"/>
-                                          </p:stCondLst>
-                                        </p:cTn>
-                                        <p:tgtEl>
-                                          <p:spTgt spid="9218"/>
-                                        </p:tgtEl>
-                                        <p:attrNameLst>
-                                          <p:attrName>style.visibility</p:attrName>
-                                        </p:attrNameLst>
-                                      </p:cBhvr>
-                                      <p:to>
-                                        <p:strVal val="visible"/>
-                                      </p:to>
-                                    </p:set>
-                                    <p:animEffect transition="in" filter="fade">
-                                      <p:cBhvr>
-                                        <p:cTn id="55" dur="500"/>
-                                        <p:tgtEl>
-                                          <p:spTgt spid="9218"/>
                                         </p:tgtEl>
                                       </p:cBhvr>
                                     </p:animEffect>
@@ -4857,7 +4848,7 @@
       </p:par>
     </p:tnLst>
     <p:bldLst>
-      <p:bldP spid="14" grpId="0" build="p"/>
+      <p:bldP spid="14" grpId="0" uiExpand="1" build="p"/>
     </p:bldLst>
   </p:timing>
 </p:sld>
@@ -8862,7 +8853,7 @@
         <p:spPr>
           <a:xfrm>
             <a:off x="304800" y="1447800"/>
-            <a:ext cx="11506200" cy="4648200"/>
+            <a:ext cx="11811000" cy="4648200"/>
           </a:xfrm>
         </p:spPr>
         <p:txBody>
@@ -8879,13 +8870,25 @@
           <a:p>
             <a:r>
               <a:rPr lang="en-US" sz="3200" dirty="0" smtClean="0"/>
-              <a:t>Initial target is 10 levels, 1000 x 1000 tiles with room to grow</a:t>
+              <a:t>Initial target is 10 levels, 1000 x 1000 tiles </a:t>
+            </a:r>
+            <a:r>
+              <a:rPr lang="en-US" sz="3200" dirty="0" smtClean="0"/>
+              <a:t>each (or more)</a:t>
             </a:r>
           </a:p>
           <a:p>
             <a:r>
               <a:rPr lang="en-US" dirty="0" smtClean="0"/>
-              <a:t>Demo server is 4 levels, 100 x 100 tiles</a:t>
+              <a:t>Demo </a:t>
+            </a:r>
+            <a:r>
+              <a:rPr lang="en-US" dirty="0" smtClean="0"/>
+              <a:t>server is 4 levels, 100 x 100 </a:t>
+            </a:r>
+            <a:r>
+              <a:rPr lang="en-US" dirty="0" smtClean="0"/>
+              <a:t>tiles each</a:t>
             </a:r>
             <a:r>
               <a:rPr lang="en-US" sz="3200" dirty="0" smtClean="0"/>
@@ -11284,6 +11287,110 @@
                       </p:childTnLst>
                     </p:cTn>
                   </p:par>
+                  <p:par>
+                    <p:cTn id="8" fill="hold">
+                      <p:stCondLst>
+                        <p:cond delay="indefinite"/>
+                      </p:stCondLst>
+                      <p:childTnLst>
+                        <p:par>
+                          <p:cTn id="9" fill="hold">
+                            <p:stCondLst>
+                              <p:cond delay="0"/>
+                            </p:stCondLst>
+                            <p:childTnLst>
+                              <p:par>
+                                <p:cTn id="10" presetID="10" presetClass="entr" presetSubtype="0" fill="hold" nodeType="clickEffect">
+                                  <p:stCondLst>
+                                    <p:cond delay="0"/>
+                                  </p:stCondLst>
+                                  <p:childTnLst>
+                                    <p:set>
+                                      <p:cBhvr>
+                                        <p:cTn id="11" dur="1" fill="hold">
+                                          <p:stCondLst>
+                                            <p:cond delay="0"/>
+                                          </p:stCondLst>
+                                        </p:cTn>
+                                        <p:tgtEl>
+                                          <p:spTgt spid="3">
+                                            <p:txEl>
+                                              <p:pRg st="9" end="9"/>
+                                            </p:txEl>
+                                          </p:spTgt>
+                                        </p:tgtEl>
+                                        <p:attrNameLst>
+                                          <p:attrName>style.visibility</p:attrName>
+                                        </p:attrNameLst>
+                                      </p:cBhvr>
+                                      <p:to>
+                                        <p:strVal val="visible"/>
+                                      </p:to>
+                                    </p:set>
+                                    <p:animEffect transition="in" filter="fade">
+                                      <p:cBhvr>
+                                        <p:cTn id="12" dur="500"/>
+                                        <p:tgtEl>
+                                          <p:spTgt spid="3">
+                                            <p:txEl>
+                                              <p:pRg st="9" end="9"/>
+                                            </p:txEl>
+                                          </p:spTgt>
+                                        </p:tgtEl>
+                                      </p:cBhvr>
+                                    </p:animEffect>
+                                  </p:childTnLst>
+                                </p:cTn>
+                              </p:par>
+                              <p:par>
+                                <p:cTn id="13" presetID="10" presetClass="entr" presetSubtype="0" fill="hold" nodeType="withEffect">
+                                  <p:stCondLst>
+                                    <p:cond delay="0"/>
+                                  </p:stCondLst>
+                                  <p:childTnLst>
+                                    <p:set>
+                                      <p:cBhvr>
+                                        <p:cTn id="14" dur="1" fill="hold">
+                                          <p:stCondLst>
+                                            <p:cond delay="0"/>
+                                          </p:stCondLst>
+                                        </p:cTn>
+                                        <p:tgtEl>
+                                          <p:spTgt spid="3">
+                                            <p:txEl>
+                                              <p:pRg st="11" end="11"/>
+                                            </p:txEl>
+                                          </p:spTgt>
+                                        </p:tgtEl>
+                                        <p:attrNameLst>
+                                          <p:attrName>style.visibility</p:attrName>
+                                        </p:attrNameLst>
+                                      </p:cBhvr>
+                                      <p:to>
+                                        <p:strVal val="visible"/>
+                                      </p:to>
+                                    </p:set>
+                                    <p:animEffect transition="in" filter="fade">
+                                      <p:cBhvr>
+                                        <p:cTn id="15" dur="500"/>
+                                        <p:tgtEl>
+                                          <p:spTgt spid="3">
+                                            <p:txEl>
+                                              <p:pRg st="11" end="11"/>
+                                            </p:txEl>
+                                          </p:spTgt>
+                                        </p:tgtEl>
+                                      </p:cBhvr>
+                                    </p:animEffect>
+                                  </p:childTnLst>
+                                </p:cTn>
+                              </p:par>
+                            </p:childTnLst>
+                          </p:cTn>
+                        </p:par>
+                      </p:childTnLst>
+                    </p:cTn>
+                  </p:par>
                 </p:childTnLst>
               </p:cTn>
               <p:prevCondLst>
@@ -11373,18 +11480,11 @@
           <a:p>
             <a:r>
               <a:rPr lang="en-US" sz="2800" dirty="0" smtClean="0"/>
-              <a:t>Advice and motivation: Robin </a:t>
-            </a:r>
-            <a:r>
-              <a:rPr lang="en-US" sz="2800" dirty="0" err="1" smtClean="0"/>
-              <a:t>Harbron</a:t>
-            </a:r>
-            <a:endParaRPr lang="en-US" sz="2800" dirty="0" smtClean="0"/>
-          </a:p>
-          <a:p>
+              <a:t>Networking </a:t>
+            </a:r>
             <a:r>
               <a:rPr lang="en-US" sz="2800" dirty="0" smtClean="0"/>
-              <a:t>Networking code: Per </a:t>
+              <a:t>code: Per </a:t>
             </a:r>
             <a:r>
               <a:rPr lang="en-US" sz="2800" dirty="0" err="1" smtClean="0"/>
@@ -11430,8 +11530,23 @@
           <a:p>
             <a:r>
               <a:rPr lang="en-US" sz="2800" dirty="0" smtClean="0"/>
-              <a:t>Graphics:  “q0w/Atlantis”</a:t>
-            </a:r>
+              <a:t>Graphics:  “q0w/Atlantis</a:t>
+            </a:r>
+            <a:r>
+              <a:rPr lang="en-US" sz="2800" dirty="0" smtClean="0"/>
+              <a:t>”</a:t>
+            </a:r>
+          </a:p>
+          <a:p>
+            <a:r>
+              <a:rPr lang="en-US" sz="2800" dirty="0"/>
+              <a:t>Advice and motivation: Robin </a:t>
+            </a:r>
+            <a:r>
+              <a:rPr lang="en-US" sz="2800" dirty="0" err="1"/>
+              <a:t>Harbron</a:t>
+            </a:r>
+            <a:endParaRPr lang="en-US" sz="2800" dirty="0" smtClean="0"/>
           </a:p>
           <a:p>
             <a:r>
@@ -18182,7 +18297,7 @@
   <a:extraClrSchemeLst/>
   <a:extLst>
     <a:ext uri="{05A4C25C-085E-4340-85A3-A5531E510DB2}">
-      <thm15:themeFamily xmlns:thm15="http://schemas.microsoft.com/office/thememl/2012/main" xmlns="" name="TF02901026.potx" id="{468775DC-C458-452B-B494-CBFA066AAFA0}" vid="{10EEBE7C-0769-4F35-B6EB-5940E3BEB5F4}"/>
+      <thm15:themeFamily xmlns="" xmlns:thm15="http://schemas.microsoft.com/office/thememl/2012/main" name="TF02901026.potx" id="{468775DC-C458-452B-B494-CBFA066AAFA0}" vid="{10EEBE7C-0769-4F35-B6EB-5940E3BEB5F4}"/>
     </a:ext>
   </a:extLst>
 </a:theme>
@@ -18443,7 +18558,7 @@
   <a:extraClrSchemeLst/>
   <a:extLst>
     <a:ext uri="{05A4C25C-085E-4340-85A3-A5531E510DB2}">
-      <thm15:themeFamily xmlns:thm15="http://schemas.microsoft.com/office/thememl/2012/main" xmlns="" name="Office Theme" id="{62F939B6-93AF-4DB8-9C6B-D6C7DFDC589F}" vid="{4A3C46E8-61CC-4603-A589-7422A47A8E4A}"/>
+      <thm15:themeFamily xmlns="" xmlns:thm15="http://schemas.microsoft.com/office/thememl/2012/main" name="Office Theme" id="{62F939B6-93AF-4DB8-9C6B-D6C7DFDC589F}" vid="{4A3C46E8-61CC-4603-A589-7422A47A8E4A}"/>
     </a:ext>
   </a:extLst>
 </a:theme>
@@ -18704,19 +18819,136 @@
   <a:extraClrSchemeLst/>
   <a:extLst>
     <a:ext uri="{05A4C25C-085E-4340-85A3-A5531E510DB2}">
-      <thm15:themeFamily xmlns:thm15="http://schemas.microsoft.com/office/thememl/2012/main" xmlns="" name="Office Theme" id="{62F939B6-93AF-4DB8-9C6B-D6C7DFDC589F}" vid="{4A3C46E8-61CC-4603-A589-7422A47A8E4A}"/>
+      <thm15:themeFamily xmlns="" xmlns:thm15="http://schemas.microsoft.com/office/thememl/2012/main" name="Office Theme" id="{62F939B6-93AF-4DB8-9C6B-D6C7DFDC589F}" vid="{4A3C46E8-61CC-4603-A589-7422A47A8E4A}"/>
     </a:ext>
   </a:extLst>
 </a:theme>
 </file>
 
 <file path=customXml/item1.xml><?xml version="1.0" encoding="utf-8"?>
-<?mso-contentType ?>
-<FormTemplates xmlns="http://schemas.microsoft.com/sharepoint/v3/contenttype/forms">
-  <Display>DocumentLibraryForm</Display>
-  <Edit>AssetEditForm</Edit>
-  <New>DocumentLibraryForm</New>
-</FormTemplates>
+<p:properties xmlns:p="http://schemas.microsoft.com/office/2006/metadata/properties" xmlns:xsi="http://www.w3.org/2001/XMLSchema-instance" xmlns:pc="http://schemas.microsoft.com/office/infopath/2007/PartnerControls">
+  <documentManagement>
+    <DirectSourceMarket xmlns="4873beb7-5857-4685-be1f-d57550cc96cc" xsi:nil="true"/>
+    <ApprovalStatus xmlns="4873beb7-5857-4685-be1f-d57550cc96cc">InProgress</ApprovalStatus>
+    <MarketSpecific xmlns="4873beb7-5857-4685-be1f-d57550cc96cc">false</MarketSpecific>
+    <LocComments xmlns="4873beb7-5857-4685-be1f-d57550cc96cc" xsi:nil="true"/>
+    <ThumbnailAssetId xmlns="4873beb7-5857-4685-be1f-d57550cc96cc" xsi:nil="true"/>
+    <PrimaryImageGen xmlns="4873beb7-5857-4685-be1f-d57550cc96cc">true</PrimaryImageGen>
+    <LegacyData xmlns="4873beb7-5857-4685-be1f-d57550cc96cc" xsi:nil="true"/>
+    <LocRecommendedHandoff xmlns="4873beb7-5857-4685-be1f-d57550cc96cc" xsi:nil="true"/>
+    <BusinessGroup xmlns="4873beb7-5857-4685-be1f-d57550cc96cc" xsi:nil="true"/>
+    <BlockPublish xmlns="4873beb7-5857-4685-be1f-d57550cc96cc">false</BlockPublish>
+    <TPFriendlyName xmlns="4873beb7-5857-4685-be1f-d57550cc96cc" xsi:nil="true"/>
+    <NumericId xmlns="4873beb7-5857-4685-be1f-d57550cc96cc" xsi:nil="true"/>
+    <APEditor xmlns="4873beb7-5857-4685-be1f-d57550cc96cc">
+      <UserInfo>
+        <DisplayName/>
+        <AccountId xsi:nil="true"/>
+        <AccountType/>
+      </UserInfo>
+    </APEditor>
+    <SourceTitle xmlns="4873beb7-5857-4685-be1f-d57550cc96cc" xsi:nil="true"/>
+    <OpenTemplate xmlns="4873beb7-5857-4685-be1f-d57550cc96cc">true</OpenTemplate>
+    <UALocComments xmlns="4873beb7-5857-4685-be1f-d57550cc96cc" xsi:nil="true"/>
+    <ParentAssetId xmlns="4873beb7-5857-4685-be1f-d57550cc96cc" xsi:nil="true"/>
+    <IntlLangReviewDate xmlns="4873beb7-5857-4685-be1f-d57550cc96cc" xsi:nil="true"/>
+    <FeatureTagsTaxHTField0 xmlns="4873beb7-5857-4685-be1f-d57550cc96cc">
+      <Terms xmlns="http://schemas.microsoft.com/office/infopath/2007/PartnerControls"/>
+    </FeatureTagsTaxHTField0>
+    <PublishStatusLookup xmlns="4873beb7-5857-4685-be1f-d57550cc96cc">
+      <Value>1566889</Value>
+    </PublishStatusLookup>
+    <Providers xmlns="4873beb7-5857-4685-be1f-d57550cc96cc" xsi:nil="true"/>
+    <MachineTranslated xmlns="4873beb7-5857-4685-be1f-d57550cc96cc">false</MachineTranslated>
+    <OriginalSourceMarket xmlns="4873beb7-5857-4685-be1f-d57550cc96cc" xsi:nil="true"/>
+    <APDescription xmlns="4873beb7-5857-4685-be1f-d57550cc96cc" xsi:nil="true"/>
+    <ClipArtFilename xmlns="4873beb7-5857-4685-be1f-d57550cc96cc" xsi:nil="true"/>
+    <ContentItem xmlns="4873beb7-5857-4685-be1f-d57550cc96cc" xsi:nil="true"/>
+    <TPInstallLocation xmlns="4873beb7-5857-4685-be1f-d57550cc96cc" xsi:nil="true"/>
+    <PublishTargets xmlns="4873beb7-5857-4685-be1f-d57550cc96cc">OfficeOnlineVNext</PublishTargets>
+    <TimesCloned xmlns="4873beb7-5857-4685-be1f-d57550cc96cc" xsi:nil="true"/>
+    <AssetStart xmlns="4873beb7-5857-4685-be1f-d57550cc96cc">2012-05-23T08:44:00+00:00</AssetStart>
+    <Provider xmlns="4873beb7-5857-4685-be1f-d57550cc96cc" xsi:nil="true"/>
+    <AcquiredFrom xmlns="4873beb7-5857-4685-be1f-d57550cc96cc">Internal MS</AcquiredFrom>
+    <FriendlyTitle xmlns="4873beb7-5857-4685-be1f-d57550cc96cc" xsi:nil="true"/>
+    <LastHandOff xmlns="4873beb7-5857-4685-be1f-d57550cc96cc" xsi:nil="true"/>
+    <TPClientViewer xmlns="4873beb7-5857-4685-be1f-d57550cc96cc" xsi:nil="true"/>
+    <UACurrentWords xmlns="4873beb7-5857-4685-be1f-d57550cc96cc" xsi:nil="true"/>
+    <ArtSampleDocs xmlns="4873beb7-5857-4685-be1f-d57550cc96cc" xsi:nil="true"/>
+    <UALocRecommendation xmlns="4873beb7-5857-4685-be1f-d57550cc96cc">Localize</UALocRecommendation>
+    <Manager xmlns="4873beb7-5857-4685-be1f-d57550cc96cc" xsi:nil="true"/>
+    <ShowIn xmlns="4873beb7-5857-4685-be1f-d57550cc96cc">Show everywhere</ShowIn>
+    <UANotes xmlns="4873beb7-5857-4685-be1f-d57550cc96cc" xsi:nil="true"/>
+    <TemplateStatus xmlns="4873beb7-5857-4685-be1f-d57550cc96cc">Complete</TemplateStatus>
+    <InternalTagsTaxHTField0 xmlns="4873beb7-5857-4685-be1f-d57550cc96cc">
+      <Terms xmlns="http://schemas.microsoft.com/office/infopath/2007/PartnerControls"/>
+    </InternalTagsTaxHTField0>
+    <CSXHash xmlns="4873beb7-5857-4685-be1f-d57550cc96cc" xsi:nil="true"/>
+    <Downloads xmlns="4873beb7-5857-4685-be1f-d57550cc96cc">0</Downloads>
+    <VoteCount xmlns="4873beb7-5857-4685-be1f-d57550cc96cc" xsi:nil="true"/>
+    <OOCacheId xmlns="4873beb7-5857-4685-be1f-d57550cc96cc" xsi:nil="true"/>
+    <IsDeleted xmlns="4873beb7-5857-4685-be1f-d57550cc96cc">false</IsDeleted>
+    <AssetExpire xmlns="4873beb7-5857-4685-be1f-d57550cc96cc">2029-01-01T08:00:00+00:00</AssetExpire>
+    <DSATActionTaken xmlns="4873beb7-5857-4685-be1f-d57550cc96cc" xsi:nil="true"/>
+    <CSXSubmissionMarket xmlns="4873beb7-5857-4685-be1f-d57550cc96cc" xsi:nil="true"/>
+    <TPExecutable xmlns="4873beb7-5857-4685-be1f-d57550cc96cc" xsi:nil="true"/>
+    <SubmitterId xmlns="4873beb7-5857-4685-be1f-d57550cc96cc" xsi:nil="true"/>
+    <EditorialTags xmlns="4873beb7-5857-4685-be1f-d57550cc96cc" xsi:nil="true"/>
+    <ApprovalLog xmlns="4873beb7-5857-4685-be1f-d57550cc96cc" xsi:nil="true"/>
+    <AssetType xmlns="4873beb7-5857-4685-be1f-d57550cc96cc">TP</AssetType>
+    <BugNumber xmlns="4873beb7-5857-4685-be1f-d57550cc96cc" xsi:nil="true"/>
+    <CSXSubmissionDate xmlns="4873beb7-5857-4685-be1f-d57550cc96cc" xsi:nil="true"/>
+    <CSXUpdate xmlns="4873beb7-5857-4685-be1f-d57550cc96cc">false</CSXUpdate>
+    <Milestone xmlns="4873beb7-5857-4685-be1f-d57550cc96cc" xsi:nil="true"/>
+    <RecommendationsModifier xmlns="4873beb7-5857-4685-be1f-d57550cc96cc" xsi:nil="true"/>
+    <OriginAsset xmlns="4873beb7-5857-4685-be1f-d57550cc96cc" xsi:nil="true"/>
+    <TPComponent xmlns="4873beb7-5857-4685-be1f-d57550cc96cc" xsi:nil="true"/>
+    <AssetId xmlns="4873beb7-5857-4685-be1f-d57550cc96cc">TP102901017</AssetId>
+    <IntlLocPriority xmlns="4873beb7-5857-4685-be1f-d57550cc96cc" xsi:nil="true"/>
+    <PolicheckWords xmlns="4873beb7-5857-4685-be1f-d57550cc96cc" xsi:nil="true"/>
+    <TPLaunchHelpLink xmlns="4873beb7-5857-4685-be1f-d57550cc96cc" xsi:nil="true"/>
+    <TPApplication xmlns="4873beb7-5857-4685-be1f-d57550cc96cc" xsi:nil="true"/>
+    <CrawlForDependencies xmlns="4873beb7-5857-4685-be1f-d57550cc96cc">false</CrawlForDependencies>
+    <HandoffToMSDN xmlns="4873beb7-5857-4685-be1f-d57550cc96cc" xsi:nil="true"/>
+    <PlannedPubDate xmlns="4873beb7-5857-4685-be1f-d57550cc96cc" xsi:nil="true"/>
+    <IntlLangReviewer xmlns="4873beb7-5857-4685-be1f-d57550cc96cc" xsi:nil="true"/>
+    <TrustLevel xmlns="4873beb7-5857-4685-be1f-d57550cc96cc">1 Microsoft Managed Content</TrustLevel>
+    <LocLastLocAttemptVersionLookup xmlns="4873beb7-5857-4685-be1f-d57550cc96cc">836753</LocLastLocAttemptVersionLookup>
+    <IsSearchable xmlns="4873beb7-5857-4685-be1f-d57550cc96cc">true</IsSearchable>
+    <TemplateTemplateType xmlns="4873beb7-5857-4685-be1f-d57550cc96cc">PowerPoint Design Template</TemplateTemplateType>
+    <CampaignTagsTaxHTField0 xmlns="4873beb7-5857-4685-be1f-d57550cc96cc">
+      <Terms xmlns="http://schemas.microsoft.com/office/infopath/2007/PartnerControls"/>
+    </CampaignTagsTaxHTField0>
+    <TPNamespace xmlns="4873beb7-5857-4685-be1f-d57550cc96cc" xsi:nil="true"/>
+    <TaxCatchAll xmlns="4873beb7-5857-4685-be1f-d57550cc96cc"/>
+    <Markets xmlns="4873beb7-5857-4685-be1f-d57550cc96cc"/>
+    <UAProjectedTotalWords xmlns="4873beb7-5857-4685-be1f-d57550cc96cc" xsi:nil="true"/>
+    <IntlLangReview xmlns="4873beb7-5857-4685-be1f-d57550cc96cc">false</IntlLangReview>
+    <OutputCachingOn xmlns="4873beb7-5857-4685-be1f-d57550cc96cc">false</OutputCachingOn>
+    <AverageRating xmlns="4873beb7-5857-4685-be1f-d57550cc96cc" xsi:nil="true"/>
+    <APAuthor xmlns="4873beb7-5857-4685-be1f-d57550cc96cc">
+      <UserInfo>
+        <DisplayName>REDMOND\v-anij</DisplayName>
+        <AccountId>2469</AccountId>
+        <AccountType/>
+      </UserInfo>
+    </APAuthor>
+    <LocManualTestRequired xmlns="4873beb7-5857-4685-be1f-d57550cc96cc">false</LocManualTestRequired>
+    <TPCommandLine xmlns="4873beb7-5857-4685-be1f-d57550cc96cc" xsi:nil="true"/>
+    <TPAppVersion xmlns="4873beb7-5857-4685-be1f-d57550cc96cc" xsi:nil="true"/>
+    <EditorialStatus xmlns="4873beb7-5857-4685-be1f-d57550cc96cc">Complete</EditorialStatus>
+    <LastModifiedDateTime xmlns="4873beb7-5857-4685-be1f-d57550cc96cc" xsi:nil="true"/>
+    <ScenarioTagsTaxHTField0 xmlns="4873beb7-5857-4685-be1f-d57550cc96cc">
+      <Terms xmlns="http://schemas.microsoft.com/office/infopath/2007/PartnerControls"/>
+    </ScenarioTagsTaxHTField0>
+    <OriginalRelease xmlns="4873beb7-5857-4685-be1f-d57550cc96cc">15</OriginalRelease>
+    <TPLaunchHelpLinkType xmlns="4873beb7-5857-4685-be1f-d57550cc96cc">Template</TPLaunchHelpLinkType>
+    <LocalizationTagsTaxHTField0 xmlns="4873beb7-5857-4685-be1f-d57550cc96cc">
+      <Terms xmlns="http://schemas.microsoft.com/office/infopath/2007/PartnerControls"/>
+    </LocalizationTagsTaxHTField0>
+    <LocMarketGroupTiers2 xmlns="4873beb7-5857-4685-be1f-d57550cc96cc" xsi:nil="true"/>
+  </documentManagement>
+</p:properties>
 </file>
 
 <file path=customXml/item2.xml><?xml version="1.0" encoding="utf-8"?>
@@ -19760,135 +19992,26 @@
 </file>
 
 <file path=customXml/item3.xml><?xml version="1.0" encoding="utf-8"?>
-<p:properties xmlns:p="http://schemas.microsoft.com/office/2006/metadata/properties" xmlns:xsi="http://www.w3.org/2001/XMLSchema-instance" xmlns:pc="http://schemas.microsoft.com/office/infopath/2007/PartnerControls">
-  <documentManagement>
-    <DirectSourceMarket xmlns="4873beb7-5857-4685-be1f-d57550cc96cc" xsi:nil="true"/>
-    <ApprovalStatus xmlns="4873beb7-5857-4685-be1f-d57550cc96cc">InProgress</ApprovalStatus>
-    <MarketSpecific xmlns="4873beb7-5857-4685-be1f-d57550cc96cc">false</MarketSpecific>
-    <LocComments xmlns="4873beb7-5857-4685-be1f-d57550cc96cc" xsi:nil="true"/>
-    <ThumbnailAssetId xmlns="4873beb7-5857-4685-be1f-d57550cc96cc" xsi:nil="true"/>
-    <PrimaryImageGen xmlns="4873beb7-5857-4685-be1f-d57550cc96cc">true</PrimaryImageGen>
-    <LegacyData xmlns="4873beb7-5857-4685-be1f-d57550cc96cc" xsi:nil="true"/>
-    <LocRecommendedHandoff xmlns="4873beb7-5857-4685-be1f-d57550cc96cc" xsi:nil="true"/>
-    <BusinessGroup xmlns="4873beb7-5857-4685-be1f-d57550cc96cc" xsi:nil="true"/>
-    <BlockPublish xmlns="4873beb7-5857-4685-be1f-d57550cc96cc">false</BlockPublish>
-    <TPFriendlyName xmlns="4873beb7-5857-4685-be1f-d57550cc96cc" xsi:nil="true"/>
-    <NumericId xmlns="4873beb7-5857-4685-be1f-d57550cc96cc" xsi:nil="true"/>
-    <APEditor xmlns="4873beb7-5857-4685-be1f-d57550cc96cc">
-      <UserInfo>
-        <DisplayName/>
-        <AccountId xsi:nil="true"/>
-        <AccountType/>
-      </UserInfo>
-    </APEditor>
-    <SourceTitle xmlns="4873beb7-5857-4685-be1f-d57550cc96cc" xsi:nil="true"/>
-    <OpenTemplate xmlns="4873beb7-5857-4685-be1f-d57550cc96cc">true</OpenTemplate>
-    <UALocComments xmlns="4873beb7-5857-4685-be1f-d57550cc96cc" xsi:nil="true"/>
-    <ParentAssetId xmlns="4873beb7-5857-4685-be1f-d57550cc96cc" xsi:nil="true"/>
-    <IntlLangReviewDate xmlns="4873beb7-5857-4685-be1f-d57550cc96cc" xsi:nil="true"/>
-    <FeatureTagsTaxHTField0 xmlns="4873beb7-5857-4685-be1f-d57550cc96cc">
-      <Terms xmlns="http://schemas.microsoft.com/office/infopath/2007/PartnerControls"/>
-    </FeatureTagsTaxHTField0>
-    <PublishStatusLookup xmlns="4873beb7-5857-4685-be1f-d57550cc96cc">
-      <Value>1566889</Value>
-    </PublishStatusLookup>
-    <Providers xmlns="4873beb7-5857-4685-be1f-d57550cc96cc" xsi:nil="true"/>
-    <MachineTranslated xmlns="4873beb7-5857-4685-be1f-d57550cc96cc">false</MachineTranslated>
-    <OriginalSourceMarket xmlns="4873beb7-5857-4685-be1f-d57550cc96cc" xsi:nil="true"/>
-    <APDescription xmlns="4873beb7-5857-4685-be1f-d57550cc96cc" xsi:nil="true"/>
-    <ClipArtFilename xmlns="4873beb7-5857-4685-be1f-d57550cc96cc" xsi:nil="true"/>
-    <ContentItem xmlns="4873beb7-5857-4685-be1f-d57550cc96cc" xsi:nil="true"/>
-    <TPInstallLocation xmlns="4873beb7-5857-4685-be1f-d57550cc96cc" xsi:nil="true"/>
-    <PublishTargets xmlns="4873beb7-5857-4685-be1f-d57550cc96cc">OfficeOnlineVNext</PublishTargets>
-    <TimesCloned xmlns="4873beb7-5857-4685-be1f-d57550cc96cc" xsi:nil="true"/>
-    <AssetStart xmlns="4873beb7-5857-4685-be1f-d57550cc96cc">2012-05-23T08:44:00+00:00</AssetStart>
-    <Provider xmlns="4873beb7-5857-4685-be1f-d57550cc96cc" xsi:nil="true"/>
-    <AcquiredFrom xmlns="4873beb7-5857-4685-be1f-d57550cc96cc">Internal MS</AcquiredFrom>
-    <FriendlyTitle xmlns="4873beb7-5857-4685-be1f-d57550cc96cc" xsi:nil="true"/>
-    <LastHandOff xmlns="4873beb7-5857-4685-be1f-d57550cc96cc" xsi:nil="true"/>
-    <TPClientViewer xmlns="4873beb7-5857-4685-be1f-d57550cc96cc" xsi:nil="true"/>
-    <UACurrentWords xmlns="4873beb7-5857-4685-be1f-d57550cc96cc" xsi:nil="true"/>
-    <ArtSampleDocs xmlns="4873beb7-5857-4685-be1f-d57550cc96cc" xsi:nil="true"/>
-    <UALocRecommendation xmlns="4873beb7-5857-4685-be1f-d57550cc96cc">Localize</UALocRecommendation>
-    <Manager xmlns="4873beb7-5857-4685-be1f-d57550cc96cc" xsi:nil="true"/>
-    <ShowIn xmlns="4873beb7-5857-4685-be1f-d57550cc96cc">Show everywhere</ShowIn>
-    <UANotes xmlns="4873beb7-5857-4685-be1f-d57550cc96cc" xsi:nil="true"/>
-    <TemplateStatus xmlns="4873beb7-5857-4685-be1f-d57550cc96cc">Complete</TemplateStatus>
-    <InternalTagsTaxHTField0 xmlns="4873beb7-5857-4685-be1f-d57550cc96cc">
-      <Terms xmlns="http://schemas.microsoft.com/office/infopath/2007/PartnerControls"/>
-    </InternalTagsTaxHTField0>
-    <CSXHash xmlns="4873beb7-5857-4685-be1f-d57550cc96cc" xsi:nil="true"/>
-    <Downloads xmlns="4873beb7-5857-4685-be1f-d57550cc96cc">0</Downloads>
-    <VoteCount xmlns="4873beb7-5857-4685-be1f-d57550cc96cc" xsi:nil="true"/>
-    <OOCacheId xmlns="4873beb7-5857-4685-be1f-d57550cc96cc" xsi:nil="true"/>
-    <IsDeleted xmlns="4873beb7-5857-4685-be1f-d57550cc96cc">false</IsDeleted>
-    <AssetExpire xmlns="4873beb7-5857-4685-be1f-d57550cc96cc">2029-01-01T08:00:00+00:00</AssetExpire>
-    <DSATActionTaken xmlns="4873beb7-5857-4685-be1f-d57550cc96cc" xsi:nil="true"/>
-    <CSXSubmissionMarket xmlns="4873beb7-5857-4685-be1f-d57550cc96cc" xsi:nil="true"/>
-    <TPExecutable xmlns="4873beb7-5857-4685-be1f-d57550cc96cc" xsi:nil="true"/>
-    <SubmitterId xmlns="4873beb7-5857-4685-be1f-d57550cc96cc" xsi:nil="true"/>
-    <EditorialTags xmlns="4873beb7-5857-4685-be1f-d57550cc96cc" xsi:nil="true"/>
-    <ApprovalLog xmlns="4873beb7-5857-4685-be1f-d57550cc96cc" xsi:nil="true"/>
-    <AssetType xmlns="4873beb7-5857-4685-be1f-d57550cc96cc">TP</AssetType>
-    <BugNumber xmlns="4873beb7-5857-4685-be1f-d57550cc96cc" xsi:nil="true"/>
-    <CSXSubmissionDate xmlns="4873beb7-5857-4685-be1f-d57550cc96cc" xsi:nil="true"/>
-    <CSXUpdate xmlns="4873beb7-5857-4685-be1f-d57550cc96cc">false</CSXUpdate>
-    <Milestone xmlns="4873beb7-5857-4685-be1f-d57550cc96cc" xsi:nil="true"/>
-    <RecommendationsModifier xmlns="4873beb7-5857-4685-be1f-d57550cc96cc" xsi:nil="true"/>
-    <OriginAsset xmlns="4873beb7-5857-4685-be1f-d57550cc96cc" xsi:nil="true"/>
-    <TPComponent xmlns="4873beb7-5857-4685-be1f-d57550cc96cc" xsi:nil="true"/>
-    <AssetId xmlns="4873beb7-5857-4685-be1f-d57550cc96cc">TP102901017</AssetId>
-    <IntlLocPriority xmlns="4873beb7-5857-4685-be1f-d57550cc96cc" xsi:nil="true"/>
-    <PolicheckWords xmlns="4873beb7-5857-4685-be1f-d57550cc96cc" xsi:nil="true"/>
-    <TPLaunchHelpLink xmlns="4873beb7-5857-4685-be1f-d57550cc96cc" xsi:nil="true"/>
-    <TPApplication xmlns="4873beb7-5857-4685-be1f-d57550cc96cc" xsi:nil="true"/>
-    <CrawlForDependencies xmlns="4873beb7-5857-4685-be1f-d57550cc96cc">false</CrawlForDependencies>
-    <HandoffToMSDN xmlns="4873beb7-5857-4685-be1f-d57550cc96cc" xsi:nil="true"/>
-    <PlannedPubDate xmlns="4873beb7-5857-4685-be1f-d57550cc96cc" xsi:nil="true"/>
-    <IntlLangReviewer xmlns="4873beb7-5857-4685-be1f-d57550cc96cc" xsi:nil="true"/>
-    <TrustLevel xmlns="4873beb7-5857-4685-be1f-d57550cc96cc">1 Microsoft Managed Content</TrustLevel>
-    <LocLastLocAttemptVersionLookup xmlns="4873beb7-5857-4685-be1f-d57550cc96cc">836753</LocLastLocAttemptVersionLookup>
-    <IsSearchable xmlns="4873beb7-5857-4685-be1f-d57550cc96cc">true</IsSearchable>
-    <TemplateTemplateType xmlns="4873beb7-5857-4685-be1f-d57550cc96cc">PowerPoint Design Template</TemplateTemplateType>
-    <CampaignTagsTaxHTField0 xmlns="4873beb7-5857-4685-be1f-d57550cc96cc">
-      <Terms xmlns="http://schemas.microsoft.com/office/infopath/2007/PartnerControls"/>
-    </CampaignTagsTaxHTField0>
-    <TPNamespace xmlns="4873beb7-5857-4685-be1f-d57550cc96cc" xsi:nil="true"/>
-    <TaxCatchAll xmlns="4873beb7-5857-4685-be1f-d57550cc96cc"/>
-    <Markets xmlns="4873beb7-5857-4685-be1f-d57550cc96cc"/>
-    <UAProjectedTotalWords xmlns="4873beb7-5857-4685-be1f-d57550cc96cc" xsi:nil="true"/>
-    <IntlLangReview xmlns="4873beb7-5857-4685-be1f-d57550cc96cc">false</IntlLangReview>
-    <OutputCachingOn xmlns="4873beb7-5857-4685-be1f-d57550cc96cc">false</OutputCachingOn>
-    <AverageRating xmlns="4873beb7-5857-4685-be1f-d57550cc96cc" xsi:nil="true"/>
-    <APAuthor xmlns="4873beb7-5857-4685-be1f-d57550cc96cc">
-      <UserInfo>
-        <DisplayName>REDMOND\v-anij</DisplayName>
-        <AccountId>2469</AccountId>
-        <AccountType/>
-      </UserInfo>
-    </APAuthor>
-    <LocManualTestRequired xmlns="4873beb7-5857-4685-be1f-d57550cc96cc">false</LocManualTestRequired>
-    <TPCommandLine xmlns="4873beb7-5857-4685-be1f-d57550cc96cc" xsi:nil="true"/>
-    <TPAppVersion xmlns="4873beb7-5857-4685-be1f-d57550cc96cc" xsi:nil="true"/>
-    <EditorialStatus xmlns="4873beb7-5857-4685-be1f-d57550cc96cc">Complete</EditorialStatus>
-    <LastModifiedDateTime xmlns="4873beb7-5857-4685-be1f-d57550cc96cc" xsi:nil="true"/>
-    <ScenarioTagsTaxHTField0 xmlns="4873beb7-5857-4685-be1f-d57550cc96cc">
-      <Terms xmlns="http://schemas.microsoft.com/office/infopath/2007/PartnerControls"/>
-    </ScenarioTagsTaxHTField0>
-    <OriginalRelease xmlns="4873beb7-5857-4685-be1f-d57550cc96cc">15</OriginalRelease>
-    <TPLaunchHelpLinkType xmlns="4873beb7-5857-4685-be1f-d57550cc96cc">Template</TPLaunchHelpLinkType>
-    <LocalizationTagsTaxHTField0 xmlns="4873beb7-5857-4685-be1f-d57550cc96cc">
-      <Terms xmlns="http://schemas.microsoft.com/office/infopath/2007/PartnerControls"/>
-    </LocalizationTagsTaxHTField0>
-    <LocMarketGroupTiers2 xmlns="4873beb7-5857-4685-be1f-d57550cc96cc" xsi:nil="true"/>
-  </documentManagement>
-</p:properties>
+<?mso-contentType ?>
+<FormTemplates xmlns="http://schemas.microsoft.com/sharepoint/v3/contenttype/forms">
+  <Display>DocumentLibraryForm</Display>
+  <Edit>AssetEditForm</Edit>
+  <New>DocumentLibraryForm</New>
+</FormTemplates>
 </file>
 
 <file path=customXml/itemProps1.xml><?xml version="1.0" encoding="utf-8"?>
-<ds:datastoreItem xmlns:ds="http://schemas.openxmlformats.org/officeDocument/2006/customXml" ds:itemID="{746CFF6F-D9AA-4BC0-911A-0A1356771912}">
+<ds:datastoreItem xmlns:ds="http://schemas.openxmlformats.org/officeDocument/2006/customXml" ds:itemID="{04098515-0C12-46CF-BC7C-69B4A13CD5FA}">
   <ds:schemaRefs>
-    <ds:schemaRef ds:uri="http://schemas.microsoft.com/sharepoint/v3/contenttype/forms"/>
+    <ds:schemaRef ds:uri="http://purl.org/dc/terms/"/>
+    <ds:schemaRef ds:uri="http://schemas.microsoft.com/office/2006/documentManagement/types"/>
+    <ds:schemaRef ds:uri="http://purl.org/dc/dcmitype/"/>
+    <ds:schemaRef ds:uri="http://schemas.microsoft.com/office/2006/metadata/properties"/>
+    <ds:schemaRef ds:uri="http://schemas.microsoft.com/office/infopath/2007/PartnerControls"/>
+    <ds:schemaRef ds:uri="http://schemas.openxmlformats.org/package/2006/metadata/core-properties"/>
+    <ds:schemaRef ds:uri="http://purl.org/dc/elements/1.1/"/>
+    <ds:schemaRef ds:uri="4873beb7-5857-4685-be1f-d57550cc96cc"/>
+    <ds:schemaRef ds:uri="http://www.w3.org/XML/1998/namespace"/>
   </ds:schemaRefs>
 </ds:datastoreItem>
 </file>
@@ -19912,17 +20035,9 @@
 </file>
 
 <file path=customXml/itemProps3.xml><?xml version="1.0" encoding="utf-8"?>
-<ds:datastoreItem xmlns:ds="http://schemas.openxmlformats.org/officeDocument/2006/customXml" ds:itemID="{04098515-0C12-46CF-BC7C-69B4A13CD5FA}">
+<ds:datastoreItem xmlns:ds="http://schemas.openxmlformats.org/officeDocument/2006/customXml" ds:itemID="{746CFF6F-D9AA-4BC0-911A-0A1356771912}">
   <ds:schemaRefs>
-    <ds:schemaRef ds:uri="http://purl.org/dc/terms/"/>
-    <ds:schemaRef ds:uri="http://schemas.microsoft.com/office/2006/documentManagement/types"/>
-    <ds:schemaRef ds:uri="http://purl.org/dc/dcmitype/"/>
-    <ds:schemaRef ds:uri="http://schemas.microsoft.com/office/2006/metadata/properties"/>
-    <ds:schemaRef ds:uri="http://schemas.microsoft.com/office/infopath/2007/PartnerControls"/>
-    <ds:schemaRef ds:uri="http://schemas.openxmlformats.org/package/2006/metadata/core-properties"/>
-    <ds:schemaRef ds:uri="http://purl.org/dc/elements/1.1/"/>
-    <ds:schemaRef ds:uri="4873beb7-5857-4685-be1f-d57550cc96cc"/>
-    <ds:schemaRef ds:uri="http://www.w3.org/XML/1998/namespace"/>
+    <ds:schemaRef ds:uri="http://schemas.microsoft.com/sharepoint/v3/contenttype/forms"/>
   </ds:schemaRefs>
 </ds:datastoreItem>
 </file>
--- a/Docs/Presentations/Roguelike Celebration 2018.pptx
+++ b/Docs/Presentations/Roguelike Celebration 2018.pptx
@@ -2333,60 +2333,6 @@
           </a:extLst>
         </p:spPr>
       </p:pic>
-      <p:pic>
-        <p:nvPicPr>
-          <p:cNvPr id="6148" name="Picture 4"/>
-          <p:cNvPicPr>
-            <a:picLocks noChangeAspect="1" noChangeArrowheads="1"/>
-          </p:cNvPicPr>
-          <p:nvPr/>
-        </p:nvPicPr>
-        <p:blipFill>
-          <a:blip r:embed="rId4">
-            <a:extLst>
-              <a:ext uri="{28A0092B-C50C-407E-A947-70E740481C1C}">
-                <a14:useLocalDpi xmlns:a14="http://schemas.microsoft.com/office/drawing/2010/main" val="0"/>
-              </a:ext>
-            </a:extLst>
-          </a:blip>
-          <a:srcRect/>
-          <a:stretch>
-            <a:fillRect/>
-          </a:stretch>
-        </p:blipFill>
-        <p:spPr bwMode="auto">
-          <a:xfrm>
-            <a:off x="25400" y="6003985"/>
-            <a:ext cx="12192000" cy="3321170"/>
-          </a:xfrm>
-          <a:prstGeom prst="rect">
-            <a:avLst/>
-          </a:prstGeom>
-          <a:noFill/>
-          <a:ln>
-            <a:noFill/>
-          </a:ln>
-          <a:extLst>
-            <a:ext uri="{909E8E84-426E-40DD-AFC4-6F175D3DCCD1}">
-              <a14:hiddenFill xmlns:a14="http://schemas.microsoft.com/office/drawing/2010/main">
-                <a:solidFill>
-                  <a:schemeClr val="accent1"/>
-                </a:solidFill>
-              </a14:hiddenFill>
-            </a:ext>
-            <a:ext uri="{91240B29-F687-4F45-9708-019B960494DF}">
-              <a14:hiddenLine xmlns:a14="http://schemas.microsoft.com/office/drawing/2010/main" w="9525">
-                <a:solidFill>
-                  <a:schemeClr val="tx1"/>
-                </a:solidFill>
-                <a:miter lim="800000"/>
-                <a:headEnd/>
-                <a:tailEnd/>
-              </a14:hiddenLine>
-            </a:ext>
-          </a:extLst>
-        </p:spPr>
-      </p:pic>
       <p:sp>
         <p:nvSpPr>
           <p:cNvPr id="3" name="Subtitle 2"/>
@@ -2489,7 +2435,7 @@
         </p:nvSpPr>
         <p:spPr>
           <a:xfrm>
-            <a:off x="-152400" y="5991285"/>
+            <a:off x="-152400" y="6248400"/>
             <a:ext cx="13411200" cy="4114800"/>
           </a:xfrm>
           <a:prstGeom prst="rect">
@@ -2614,7 +2560,7 @@
           <p:nvPr/>
         </p:nvPicPr>
         <p:blipFill>
-          <a:blip r:embed="rId5">
+          <a:blip r:embed="rId4">
             <a:extLst>
               <a:ext uri="{28A0092B-C50C-407E-A947-70E740481C1C}">
                 <a14:useLocalDpi xmlns:a14="http://schemas.microsoft.com/office/drawing/2010/main" val="0"/>
@@ -9221,7 +9167,15 @@
           <a:p>
             <a:r>
               <a:rPr lang="en-US" dirty="0" smtClean="0"/>
-              <a:t>C64:  </a:t>
+              <a:t>C64: </a:t>
+            </a:r>
+            <a:r>
+              <a:rPr lang="en-US" dirty="0" smtClean="0"/>
+              <a:t>Client bootloader as</a:t>
+            </a:r>
+            <a:r>
+              <a:rPr lang="en-US" dirty="0" smtClean="0"/>
+              <a:t> </a:t>
             </a:r>
             <a:r>
               <a:rPr lang="en-US" dirty="0" smtClean="0">
@@ -9232,7 +9186,18 @@
                   </a:schemeClr>
                 </a:solidFill>
               </a:rPr>
-              <a:t>PRG file</a:t>
+              <a:t>PRG </a:t>
+            </a:r>
+            <a:r>
+              <a:rPr lang="en-US" dirty="0" smtClean="0">
+                <a:solidFill>
+                  <a:schemeClr val="accent2">
+                    <a:lumMod val="60000"/>
+                    <a:lumOff val="40000"/>
+                  </a:schemeClr>
+                </a:solidFill>
+              </a:rPr>
+              <a:t>file</a:t>
             </a:r>
           </a:p>
           <a:p>
@@ -10280,7 +10245,15 @@
             </a:r>
             <a:r>
               <a:rPr lang="en-US" sz="2400" dirty="0" smtClean="0"/>
-              <a:t>are open-source (MIT)</a:t>
+              <a:t>are open-source (</a:t>
+            </a:r>
+            <a:r>
+              <a:rPr lang="en-US" sz="2400" dirty="0" smtClean="0"/>
+              <a:t>MIT License)</a:t>
+            </a:r>
+            <a:r>
+              <a:rPr lang="en-US" sz="2400" dirty="0" smtClean="0"/>
+              <a:t/>
             </a:r>
             <a:br>
               <a:rPr lang="en-US" sz="2400" dirty="0" smtClean="0"/>
